--- a/docs/Teaching/PPTX/FCC Chem 3A Chap  1 Content.pptx
+++ b/docs/Teaching/PPTX/FCC Chem 3A Chap  1 Content.pptx
@@ -5,7 +5,7 @@
     <p:sldMasterId id="2147483803" r:id="rId1"/>
   </p:sldMasterIdLst>
   <p:notesMasterIdLst>
-    <p:notesMasterId r:id="rId34"/>
+    <p:notesMasterId r:id="rId35"/>
   </p:notesMasterIdLst>
   <p:sldIdLst>
     <p:sldId id="608" r:id="rId2"/>
@@ -27,19 +27,20 @@
     <p:sldId id="831" r:id="rId18"/>
     <p:sldId id="834" r:id="rId19"/>
     <p:sldId id="830" r:id="rId20"/>
-    <p:sldId id="832" r:id="rId21"/>
-    <p:sldId id="821" r:id="rId22"/>
-    <p:sldId id="823" r:id="rId23"/>
-    <p:sldId id="805" r:id="rId24"/>
-    <p:sldId id="835" r:id="rId25"/>
-    <p:sldId id="836" r:id="rId26"/>
-    <p:sldId id="838" r:id="rId27"/>
-    <p:sldId id="839" r:id="rId28"/>
-    <p:sldId id="827" r:id="rId29"/>
-    <p:sldId id="807" r:id="rId30"/>
-    <p:sldId id="828" r:id="rId31"/>
-    <p:sldId id="808" r:id="rId32"/>
-    <p:sldId id="829" r:id="rId33"/>
+    <p:sldId id="841" r:id="rId21"/>
+    <p:sldId id="832" r:id="rId22"/>
+    <p:sldId id="821" r:id="rId23"/>
+    <p:sldId id="823" r:id="rId24"/>
+    <p:sldId id="805" r:id="rId25"/>
+    <p:sldId id="835" r:id="rId26"/>
+    <p:sldId id="836" r:id="rId27"/>
+    <p:sldId id="838" r:id="rId28"/>
+    <p:sldId id="839" r:id="rId29"/>
+    <p:sldId id="827" r:id="rId30"/>
+    <p:sldId id="807" r:id="rId31"/>
+    <p:sldId id="828" r:id="rId32"/>
+    <p:sldId id="808" r:id="rId33"/>
+    <p:sldId id="829" r:id="rId34"/>
   </p:sldIdLst>
   <p:sldSz cx="9144000" cy="6858000" type="screen4x3"/>
   <p:notesSz cx="7315200" cy="9601200"/>
@@ -24047,6 +24048,88 @@
 <file path=ppt/slides/slide20.xml><?xml version="1.0" encoding="utf-8"?>
 <p:sld xmlns:a="http://schemas.openxmlformats.org/drawingml/2006/main" xmlns:r="http://schemas.openxmlformats.org/officeDocument/2006/relationships" xmlns:p="http://schemas.openxmlformats.org/presentationml/2006/main">
   <p:cSld>
+    <p:bg>
+      <p:bgPr>
+        <a:gradFill>
+          <a:gsLst>
+            <a:gs pos="51000">
+              <a:srgbClr val="C00000"/>
+            </a:gs>
+            <a:gs pos="0">
+              <a:srgbClr val="FF0000"/>
+            </a:gs>
+            <a:gs pos="100000">
+              <a:srgbClr val="FFFF00"/>
+            </a:gs>
+          </a:gsLst>
+          <a:lin ang="2700000" scaled="1"/>
+        </a:gradFill>
+        <a:effectLst/>
+      </p:bgPr>
+    </p:bg>
+    <p:spTree>
+      <p:nvGrpSpPr>
+        <p:cNvPr id="1" name=""/>
+        <p:cNvGrpSpPr/>
+        <p:nvPr/>
+      </p:nvGrpSpPr>
+      <p:grpSpPr>
+        <a:xfrm>
+          <a:off x="0" y="0"/>
+          <a:ext cx="0" cy="0"/>
+          <a:chOff x="0" y="0"/>
+          <a:chExt cx="0" cy="0"/>
+        </a:xfrm>
+      </p:grpSpPr>
+      <p:sp>
+        <p:nvSpPr>
+          <p:cNvPr id="2" name="Title 1">
+            <a:extLst>
+              <a:ext uri="{FF2B5EF4-FFF2-40B4-BE49-F238E27FC236}">
+                <a16:creationId xmlns:a16="http://schemas.microsoft.com/office/drawing/2014/main" id="{60AB58A2-A058-5A39-5353-68BA0B1E81FB}"/>
+              </a:ext>
+            </a:extLst>
+          </p:cNvPr>
+          <p:cNvSpPr>
+            <a:spLocks noGrp="1"/>
+          </p:cNvSpPr>
+          <p:nvPr>
+            <p:ph type="title"/>
+          </p:nvPr>
+        </p:nvSpPr>
+        <p:spPr>
+          <a:xfrm>
+            <a:off x="361244" y="413947"/>
+            <a:ext cx="8421512" cy="6217087"/>
+          </a:xfrm>
+        </p:spPr>
+        <p:txBody>
+          <a:bodyPr/>
+          <a:lstStyle/>
+          <a:p>
+            <a:r>
+              <a:rPr lang="en-US" sz="19900" dirty="0"/>
+              <a:t>EDIT NEXT</a:t>
+            </a:r>
+          </a:p>
+        </p:txBody>
+      </p:sp>
+    </p:spTree>
+    <p:extLst>
+      <p:ext uri="{BB962C8B-B14F-4D97-AF65-F5344CB8AC3E}">
+        <p14:creationId xmlns:p14="http://schemas.microsoft.com/office/powerpoint/2010/main" val="179474474"/>
+      </p:ext>
+    </p:extLst>
+  </p:cSld>
+  <p:clrMapOvr>
+    <a:masterClrMapping/>
+  </p:clrMapOvr>
+</p:sld>
+</file>
+
+<file path=ppt/slides/slide21.xml><?xml version="1.0" encoding="utf-8"?>
+<p:sld xmlns:a="http://schemas.openxmlformats.org/drawingml/2006/main" xmlns:r="http://schemas.openxmlformats.org/officeDocument/2006/relationships" xmlns:p="http://schemas.openxmlformats.org/presentationml/2006/main">
+  <p:cSld>
     <p:spTree>
       <p:nvGrpSpPr>
         <p:cNvPr id="1" name="">
@@ -24142,7 +24225,7 @@
 </p:sld>
 </file>
 
-<file path=ppt/slides/slide21.xml><?xml version="1.0" encoding="utf-8"?>
+<file path=ppt/slides/slide22.xml><?xml version="1.0" encoding="utf-8"?>
 <p:sld xmlns:a="http://schemas.openxmlformats.org/drawingml/2006/main" xmlns:r="http://schemas.openxmlformats.org/officeDocument/2006/relationships" xmlns:p="http://schemas.openxmlformats.org/presentationml/2006/main">
   <p:cSld>
     <p:spTree>
@@ -24391,7 +24474,7 @@
 </p:sld>
 </file>
 
-<file path=ppt/slides/slide22.xml><?xml version="1.0" encoding="utf-8"?>
+<file path=ppt/slides/slide23.xml><?xml version="1.0" encoding="utf-8"?>
 <p:sld xmlns:a="http://schemas.openxmlformats.org/drawingml/2006/main" xmlns:r="http://schemas.openxmlformats.org/officeDocument/2006/relationships" xmlns:p="http://schemas.openxmlformats.org/presentationml/2006/main">
   <p:cSld>
     <p:spTree>
@@ -25545,7 +25628,7 @@
 </p:sld>
 </file>
 
-<file path=ppt/slides/slide23.xml><?xml version="1.0" encoding="utf-8"?>
+<file path=ppt/slides/slide24.xml><?xml version="1.0" encoding="utf-8"?>
 <p:sld xmlns:a="http://schemas.openxmlformats.org/drawingml/2006/main" xmlns:r="http://schemas.openxmlformats.org/officeDocument/2006/relationships" xmlns:p="http://schemas.openxmlformats.org/presentationml/2006/main">
   <p:cSld>
     <p:spTree>
@@ -25984,7 +26067,7 @@
 </p:sld>
 </file>
 
-<file path=ppt/slides/slide24.xml><?xml version="1.0" encoding="utf-8"?>
+<file path=ppt/slides/slide25.xml><?xml version="1.0" encoding="utf-8"?>
 <p:sld xmlns:a="http://schemas.openxmlformats.org/drawingml/2006/main" xmlns:r="http://schemas.openxmlformats.org/officeDocument/2006/relationships" xmlns:p="http://schemas.openxmlformats.org/presentationml/2006/main">
   <p:cSld>
     <p:spTree>
@@ -27049,7 +27132,7 @@
 </p:sld>
 </file>
 
-<file path=ppt/slides/slide25.xml><?xml version="1.0" encoding="utf-8"?>
+<file path=ppt/slides/slide26.xml><?xml version="1.0" encoding="utf-8"?>
 <p:sld xmlns:a="http://schemas.openxmlformats.org/drawingml/2006/main" xmlns:r="http://schemas.openxmlformats.org/officeDocument/2006/relationships" xmlns:p="http://schemas.openxmlformats.org/presentationml/2006/main">
   <p:cSld>
     <p:spTree>
@@ -27286,7 +27369,7 @@
 </p:sld>
 </file>
 
-<file path=ppt/slides/slide26.xml><?xml version="1.0" encoding="utf-8"?>
+<file path=ppt/slides/slide27.xml><?xml version="1.0" encoding="utf-8"?>
 <p:sld xmlns:a="http://schemas.openxmlformats.org/drawingml/2006/main" xmlns:r="http://schemas.openxmlformats.org/officeDocument/2006/relationships" xmlns:p="http://schemas.openxmlformats.org/presentationml/2006/main">
   <p:cSld>
     <p:spTree>
@@ -27492,7 +27575,7 @@
 </p:sld>
 </file>
 
-<file path=ppt/slides/slide27.xml><?xml version="1.0" encoding="utf-8"?>
+<file path=ppt/slides/slide28.xml><?xml version="1.0" encoding="utf-8"?>
 <p:sld xmlns:a="http://schemas.openxmlformats.org/drawingml/2006/main" xmlns:r="http://schemas.openxmlformats.org/officeDocument/2006/relationships" xmlns:p="http://schemas.openxmlformats.org/presentationml/2006/main">
   <p:cSld>
     <p:spTree>
@@ -27914,7 +27997,7 @@
 </p:sld>
 </file>
 
-<file path=ppt/slides/slide28.xml><?xml version="1.0" encoding="utf-8"?>
+<file path=ppt/slides/slide29.xml><?xml version="1.0" encoding="utf-8"?>
 <p:sld xmlns:a="http://schemas.openxmlformats.org/drawingml/2006/main" xmlns:r="http://schemas.openxmlformats.org/officeDocument/2006/relationships" xmlns:p="http://schemas.openxmlformats.org/presentationml/2006/main">
   <p:cSld>
     <p:spTree>
@@ -27997,154 +28080,6 @@
     <p:extLst>
       <p:ext uri="{BB962C8B-B14F-4D97-AF65-F5344CB8AC3E}">
         <p14:creationId xmlns:p14="http://schemas.microsoft.com/office/powerpoint/2010/main" val="2915462355"/>
-      </p:ext>
-    </p:extLst>
-  </p:cSld>
-  <p:clrMapOvr>
-    <a:masterClrMapping/>
-  </p:clrMapOvr>
-</p:sld>
-</file>
-
-<file path=ppt/slides/slide29.xml><?xml version="1.0" encoding="utf-8"?>
-<p:sld xmlns:a="http://schemas.openxmlformats.org/drawingml/2006/main" xmlns:r="http://schemas.openxmlformats.org/officeDocument/2006/relationships" xmlns:p="http://schemas.openxmlformats.org/presentationml/2006/main">
-  <p:cSld>
-    <p:spTree>
-      <p:nvGrpSpPr>
-        <p:cNvPr id="1" name=""/>
-        <p:cNvGrpSpPr/>
-        <p:nvPr/>
-      </p:nvGrpSpPr>
-      <p:grpSpPr>
-        <a:xfrm>
-          <a:off x="0" y="0"/>
-          <a:ext cx="0" cy="0"/>
-          <a:chOff x="0" y="0"/>
-          <a:chExt cx="0" cy="0"/>
-        </a:xfrm>
-      </p:grpSpPr>
-      <p:sp>
-        <p:nvSpPr>
-          <p:cNvPr id="2" name="Title 1">
-            <a:extLst>
-              <a:ext uri="{FF2B5EF4-FFF2-40B4-BE49-F238E27FC236}">
-                <a16:creationId xmlns:a16="http://schemas.microsoft.com/office/drawing/2014/main" id="{1849F1E8-D2AC-7FA9-E917-F90C94B3818A}"/>
-              </a:ext>
-            </a:extLst>
-          </p:cNvPr>
-          <p:cNvSpPr>
-            <a:spLocks noGrp="1"/>
-          </p:cNvSpPr>
-          <p:nvPr>
-            <p:ph type="title"/>
-          </p:nvPr>
-        </p:nvSpPr>
-        <p:spPr/>
-        <p:txBody>
-          <a:bodyPr/>
-          <a:lstStyle/>
-          <a:p>
-            <a:r>
-              <a:rPr lang="en-US" dirty="0"/>
-              <a:t>Measuring Temperature</a:t>
-            </a:r>
-          </a:p>
-        </p:txBody>
-      </p:sp>
-      <p:pic>
-        <p:nvPicPr>
-          <p:cNvPr id="1026" name="Picture 2">
-            <a:extLst>
-              <a:ext uri="{FF2B5EF4-FFF2-40B4-BE49-F238E27FC236}">
-                <a16:creationId xmlns:a16="http://schemas.microsoft.com/office/drawing/2014/main" id="{AD199F0B-D17C-D6D3-55F3-74755658B584}"/>
-              </a:ext>
-            </a:extLst>
-          </p:cNvPr>
-          <p:cNvPicPr>
-            <a:picLocks noGrp="1" noChangeAspect="1" noChangeArrowheads="1"/>
-          </p:cNvPicPr>
-          <p:nvPr>
-            <p:ph idx="1"/>
-          </p:nvPr>
-        </p:nvPicPr>
-        <p:blipFill>
-          <a:blip r:embed="rId2">
-            <a:extLst>
-              <a:ext uri="{28A0092B-C50C-407E-A947-70E740481C1C}">
-                <a14:useLocalDpi xmlns:a14="http://schemas.microsoft.com/office/drawing/2010/main" val="0"/>
-              </a:ext>
-            </a:extLst>
-          </a:blip>
-          <a:srcRect/>
-          <a:stretch>
-            <a:fillRect/>
-          </a:stretch>
-        </p:blipFill>
-        <p:spPr bwMode="auto">
-          <a:xfrm>
-            <a:off x="373063" y="1580605"/>
-            <a:ext cx="8386762" cy="4717553"/>
-          </a:xfrm>
-          <a:prstGeom prst="rect">
-            <a:avLst/>
-          </a:prstGeom>
-          <a:noFill/>
-          <a:extLst>
-            <a:ext uri="{909E8E84-426E-40DD-AFC4-6F175D3DCCD1}">
-              <a14:hiddenFill xmlns:a14="http://schemas.microsoft.com/office/drawing/2010/main">
-                <a:solidFill>
-                  <a:srgbClr val="FFFFFF"/>
-                </a:solidFill>
-              </a14:hiddenFill>
-            </a:ext>
-          </a:extLst>
-        </p:spPr>
-      </p:pic>
-      <p:sp>
-        <p:nvSpPr>
-          <p:cNvPr id="4" name="TextBox 3">
-            <a:extLst>
-              <a:ext uri="{FF2B5EF4-FFF2-40B4-BE49-F238E27FC236}">
-                <a16:creationId xmlns:a16="http://schemas.microsoft.com/office/drawing/2014/main" id="{84CE6475-A36D-80BA-1C65-FB4D262EAC11}"/>
-              </a:ext>
-            </a:extLst>
-          </p:cNvPr>
-          <p:cNvSpPr txBox="1"/>
-          <p:nvPr/>
-        </p:nvSpPr>
-        <p:spPr>
-          <a:xfrm>
-            <a:off x="7137779" y="6298158"/>
-            <a:ext cx="1552284" cy="276999"/>
-          </a:xfrm>
-          <a:prstGeom prst="rect">
-            <a:avLst/>
-          </a:prstGeom>
-          <a:noFill/>
-        </p:spPr>
-        <p:txBody>
-          <a:bodyPr wrap="none" rtlCol="0">
-            <a:spAutoFit/>
-          </a:bodyPr>
-          <a:lstStyle/>
-          <a:p>
-            <a:r>
-              <a:rPr lang="en-US" sz="1200" i="1" dirty="0">
-                <a:solidFill>
-                  <a:srgbClr val="FFFFCC"/>
-                </a:solidFill>
-                <a:latin typeface="Times New Roman" panose="02020603050405020304" pitchFamily="18" charset="0"/>
-                <a:cs typeface="Times New Roman" panose="02020603050405020304" pitchFamily="18" charset="0"/>
-              </a:rPr>
-              <a:t>image from Study.com</a:t>
-            </a:r>
-          </a:p>
-        </p:txBody>
-      </p:sp>
-    </p:spTree>
-    <p:extLst>
-      <p:ext uri="{BB962C8B-B14F-4D97-AF65-F5344CB8AC3E}">
-        <p14:creationId xmlns:p14="http://schemas.microsoft.com/office/powerpoint/2010/main" val="1697733660"/>
       </p:ext>
     </p:extLst>
   </p:cSld>
@@ -28604,6 +28539,154 @@
   <p:cSld>
     <p:spTree>
       <p:nvGrpSpPr>
+        <p:cNvPr id="1" name=""/>
+        <p:cNvGrpSpPr/>
+        <p:nvPr/>
+      </p:nvGrpSpPr>
+      <p:grpSpPr>
+        <a:xfrm>
+          <a:off x="0" y="0"/>
+          <a:ext cx="0" cy="0"/>
+          <a:chOff x="0" y="0"/>
+          <a:chExt cx="0" cy="0"/>
+        </a:xfrm>
+      </p:grpSpPr>
+      <p:sp>
+        <p:nvSpPr>
+          <p:cNvPr id="2" name="Title 1">
+            <a:extLst>
+              <a:ext uri="{FF2B5EF4-FFF2-40B4-BE49-F238E27FC236}">
+                <a16:creationId xmlns:a16="http://schemas.microsoft.com/office/drawing/2014/main" id="{1849F1E8-D2AC-7FA9-E917-F90C94B3818A}"/>
+              </a:ext>
+            </a:extLst>
+          </p:cNvPr>
+          <p:cNvSpPr>
+            <a:spLocks noGrp="1"/>
+          </p:cNvSpPr>
+          <p:nvPr>
+            <p:ph type="title"/>
+          </p:nvPr>
+        </p:nvSpPr>
+        <p:spPr/>
+        <p:txBody>
+          <a:bodyPr/>
+          <a:lstStyle/>
+          <a:p>
+            <a:r>
+              <a:rPr lang="en-US" dirty="0"/>
+              <a:t>Measuring Temperature</a:t>
+            </a:r>
+          </a:p>
+        </p:txBody>
+      </p:sp>
+      <p:pic>
+        <p:nvPicPr>
+          <p:cNvPr id="1026" name="Picture 2">
+            <a:extLst>
+              <a:ext uri="{FF2B5EF4-FFF2-40B4-BE49-F238E27FC236}">
+                <a16:creationId xmlns:a16="http://schemas.microsoft.com/office/drawing/2014/main" id="{AD199F0B-D17C-D6D3-55F3-74755658B584}"/>
+              </a:ext>
+            </a:extLst>
+          </p:cNvPr>
+          <p:cNvPicPr>
+            <a:picLocks noGrp="1" noChangeAspect="1" noChangeArrowheads="1"/>
+          </p:cNvPicPr>
+          <p:nvPr>
+            <p:ph idx="1"/>
+          </p:nvPr>
+        </p:nvPicPr>
+        <p:blipFill>
+          <a:blip r:embed="rId2">
+            <a:extLst>
+              <a:ext uri="{28A0092B-C50C-407E-A947-70E740481C1C}">
+                <a14:useLocalDpi xmlns:a14="http://schemas.microsoft.com/office/drawing/2010/main" val="0"/>
+              </a:ext>
+            </a:extLst>
+          </a:blip>
+          <a:srcRect/>
+          <a:stretch>
+            <a:fillRect/>
+          </a:stretch>
+        </p:blipFill>
+        <p:spPr bwMode="auto">
+          <a:xfrm>
+            <a:off x="373063" y="1580605"/>
+            <a:ext cx="8386762" cy="4717553"/>
+          </a:xfrm>
+          <a:prstGeom prst="rect">
+            <a:avLst/>
+          </a:prstGeom>
+          <a:noFill/>
+          <a:extLst>
+            <a:ext uri="{909E8E84-426E-40DD-AFC4-6F175D3DCCD1}">
+              <a14:hiddenFill xmlns:a14="http://schemas.microsoft.com/office/drawing/2010/main">
+                <a:solidFill>
+                  <a:srgbClr val="FFFFFF"/>
+                </a:solidFill>
+              </a14:hiddenFill>
+            </a:ext>
+          </a:extLst>
+        </p:spPr>
+      </p:pic>
+      <p:sp>
+        <p:nvSpPr>
+          <p:cNvPr id="4" name="TextBox 3">
+            <a:extLst>
+              <a:ext uri="{FF2B5EF4-FFF2-40B4-BE49-F238E27FC236}">
+                <a16:creationId xmlns:a16="http://schemas.microsoft.com/office/drawing/2014/main" id="{84CE6475-A36D-80BA-1C65-FB4D262EAC11}"/>
+              </a:ext>
+            </a:extLst>
+          </p:cNvPr>
+          <p:cNvSpPr txBox="1"/>
+          <p:nvPr/>
+        </p:nvSpPr>
+        <p:spPr>
+          <a:xfrm>
+            <a:off x="7137779" y="6298158"/>
+            <a:ext cx="1552284" cy="276999"/>
+          </a:xfrm>
+          <a:prstGeom prst="rect">
+            <a:avLst/>
+          </a:prstGeom>
+          <a:noFill/>
+        </p:spPr>
+        <p:txBody>
+          <a:bodyPr wrap="none" rtlCol="0">
+            <a:spAutoFit/>
+          </a:bodyPr>
+          <a:lstStyle/>
+          <a:p>
+            <a:r>
+              <a:rPr lang="en-US" sz="1200" i="1" dirty="0">
+                <a:solidFill>
+                  <a:srgbClr val="FFFFCC"/>
+                </a:solidFill>
+                <a:latin typeface="Times New Roman" panose="02020603050405020304" pitchFamily="18" charset="0"/>
+                <a:cs typeface="Times New Roman" panose="02020603050405020304" pitchFamily="18" charset="0"/>
+              </a:rPr>
+              <a:t>image from Study.com</a:t>
+            </a:r>
+          </a:p>
+        </p:txBody>
+      </p:sp>
+    </p:spTree>
+    <p:extLst>
+      <p:ext uri="{BB962C8B-B14F-4D97-AF65-F5344CB8AC3E}">
+        <p14:creationId xmlns:p14="http://schemas.microsoft.com/office/powerpoint/2010/main" val="1697733660"/>
+      </p:ext>
+    </p:extLst>
+  </p:cSld>
+  <p:clrMapOvr>
+    <a:masterClrMapping/>
+  </p:clrMapOvr>
+</p:sld>
+</file>
+
+<file path=ppt/slides/slide31.xml><?xml version="1.0" encoding="utf-8"?>
+<p:sld xmlns:a="http://schemas.openxmlformats.org/drawingml/2006/main" xmlns:r="http://schemas.openxmlformats.org/officeDocument/2006/relationships" xmlns:p="http://schemas.openxmlformats.org/presentationml/2006/main">
+  <p:cSld>
+    <p:spTree>
+      <p:nvGrpSpPr>
         <p:cNvPr id="1" name="">
           <a:extLst>
             <a:ext uri="{FF2B5EF4-FFF2-40B4-BE49-F238E27FC236}">
@@ -29132,7 +29215,7 @@
 </p:sld>
 </file>
 
-<file path=ppt/slides/slide31.xml><?xml version="1.0" encoding="utf-8"?>
+<file path=ppt/slides/slide32.xml><?xml version="1.0" encoding="utf-8"?>
 <p:sld xmlns:a="http://schemas.openxmlformats.org/drawingml/2006/main" xmlns:r="http://schemas.openxmlformats.org/officeDocument/2006/relationships" xmlns:p="http://schemas.openxmlformats.org/presentationml/2006/main">
   <p:cSld>
     <p:spTree>
@@ -29894,7 +29977,7 @@
 </p:sld>
 </file>
 
-<file path=ppt/slides/slide32.xml><?xml version="1.0" encoding="utf-8"?>
+<file path=ppt/slides/slide33.xml><?xml version="1.0" encoding="utf-8"?>
 <p:sld xmlns:a="http://schemas.openxmlformats.org/drawingml/2006/main" xmlns:r="http://schemas.openxmlformats.org/officeDocument/2006/relationships" xmlns:p="http://schemas.openxmlformats.org/presentationml/2006/main">
   <p:cSld>
     <p:spTree>
